--- a/IOD Projects/Employee Attrition.pptx
+++ b/IOD Projects/Employee Attrition.pptx
@@ -227,7 +227,7 @@
           <a:p>
             <a:fld id="{3C593CAC-F6D8-4F0E-8753-BFED59184C35}" type="datetime1">
               <a:rPr lang="en-GB" smtClean="0"/>
-              <a:t>02/01/2022</a:t>
+              <a:t>12/01/2022</a:t>
             </a:fld>
             <a:endParaRPr lang="en-GB" dirty="0"/>
           </a:p>
@@ -395,7 +395,7 @@
             <a:pPr rtl="0"/>
             <a:fld id="{AC39CAEF-1AC2-4435-A291-60103C859B73}" type="datetime1">
               <a:rPr lang="en-GB" noProof="0" smtClean="0"/>
-              <a:t>02/01/2022</a:t>
+              <a:t>12/01/2022</a:t>
             </a:fld>
             <a:endParaRPr lang="en-GB" noProof="0" dirty="0"/>
           </a:p>
@@ -939,7 +939,7 @@
             <a:pPr rtl="0"/>
             <a:fld id="{6AE02678-88E1-4FA9-86A0-4050B46931D5}" type="datetime1">
               <a:rPr lang="en-GB" noProof="0" smtClean="0"/>
-              <a:t>02/01/2022</a:t>
+              <a:t>12/01/2022</a:t>
             </a:fld>
             <a:endParaRPr lang="en-GB" noProof="0" dirty="0"/>
           </a:p>
@@ -1249,7 +1249,7 @@
             <a:pPr rtl="0"/>
             <a:fld id="{F2DE9B1F-5D9D-4AD8-B3E7-3E200C3D2E11}" type="datetime1">
               <a:rPr lang="en-GB" noProof="0" smtClean="0"/>
-              <a:t>02/01/2022</a:t>
+              <a:t>12/01/2022</a:t>
             </a:fld>
             <a:endParaRPr lang="en-GB" noProof="0" dirty="0"/>
           </a:p>
@@ -1447,7 +1447,7 @@
             <a:pPr rtl="0"/>
             <a:fld id="{FB4F5B21-F288-4E75-9145-C2B580C7B262}" type="datetime1">
               <a:rPr lang="en-GB" noProof="0" smtClean="0"/>
-              <a:t>02/01/2022</a:t>
+              <a:t>12/01/2022</a:t>
             </a:fld>
             <a:endParaRPr lang="en-GB" noProof="0" dirty="0"/>
           </a:p>
@@ -1714,7 +1714,7 @@
             <a:pPr rtl="0"/>
             <a:fld id="{579F30E1-5D81-4F9E-81BF-7F0FE1DA04FF}" type="datetime1">
               <a:rPr lang="en-GB" noProof="0" smtClean="0"/>
-              <a:t>02/01/2022</a:t>
+              <a:t>12/01/2022</a:t>
             </a:fld>
             <a:endParaRPr lang="en-GB" noProof="0" dirty="0"/>
           </a:p>
@@ -2154,7 +2154,7 @@
             <a:pPr rtl="0"/>
             <a:fld id="{0C8D488F-2B10-45BC-81EF-BD30CE1270F4}" type="datetime1">
               <a:rPr lang="en-GB" noProof="0" smtClean="0"/>
-              <a:t>02/01/2022</a:t>
+              <a:t>12/01/2022</a:t>
             </a:fld>
             <a:endParaRPr lang="en-GB" noProof="0" dirty="0"/>
           </a:p>
@@ -2695,7 +2695,7 @@
             <a:pPr rtl="0"/>
             <a:fld id="{980A01F9-B66F-45C2-977B-324643B868D6}" type="datetime1">
               <a:rPr lang="en-GB" noProof="0" smtClean="0"/>
-              <a:t>02/01/2022</a:t>
+              <a:t>12/01/2022</a:t>
             </a:fld>
             <a:endParaRPr lang="en-GB" noProof="0" dirty="0"/>
           </a:p>
@@ -3584,7 +3584,7 @@
             <a:pPr rtl="0"/>
             <a:fld id="{EBAEE73B-B66C-4701-830A-4698615C394C}" type="datetime1">
               <a:rPr lang="en-GB" noProof="0" smtClean="0"/>
-              <a:t>02/01/2022</a:t>
+              <a:t>12/01/2022</a:t>
             </a:fld>
             <a:endParaRPr lang="en-GB" noProof="0" dirty="0"/>
           </a:p>
@@ -3758,7 +3758,7 @@
             <a:pPr rtl="0"/>
             <a:fld id="{A4845F62-2FE7-49A4-A62F-F60CCD2D3EFA}" type="datetime1">
               <a:rPr lang="en-GB" noProof="0" smtClean="0"/>
-              <a:t>02/01/2022</a:t>
+              <a:t>12/01/2022</a:t>
             </a:fld>
             <a:endParaRPr lang="en-GB" noProof="0" dirty="0"/>
           </a:p>
@@ -4006,7 +4006,7 @@
             <a:pPr rtl="0"/>
             <a:fld id="{576018C4-E868-4754-A3FD-4D64D6781E37}" type="datetime1">
               <a:rPr lang="en-GB" noProof="0" smtClean="0"/>
-              <a:t>02/01/2022</a:t>
+              <a:t>12/01/2022</a:t>
             </a:fld>
             <a:endParaRPr lang="en-GB" noProof="0" dirty="0"/>
           </a:p>
@@ -4252,7 +4252,7 @@
             <a:pPr rtl="0"/>
             <a:fld id="{D702DC49-52B5-4070-9498-BD35F543079A}" type="datetime1">
               <a:rPr lang="en-GB" noProof="0" smtClean="0"/>
-              <a:t>02/01/2022</a:t>
+              <a:t>12/01/2022</a:t>
             </a:fld>
             <a:endParaRPr lang="en-GB" noProof="0" dirty="0"/>
           </a:p>
@@ -4739,7 +4739,7 @@
             <a:pPr rtl="0"/>
             <a:fld id="{282C0FAB-F64A-4F6D-B58A-63B388DC7F78}" type="datetime1">
               <a:rPr lang="en-GB" noProof="0" smtClean="0"/>
-              <a:t>02/01/2022</a:t>
+              <a:t>12/01/2022</a:t>
             </a:fld>
             <a:endParaRPr lang="en-GB" noProof="0" dirty="0"/>
           </a:p>
@@ -4861,7 +4861,7 @@
             <a:pPr rtl="0"/>
             <a:fld id="{5020D9C9-55F0-44D8-A0C8-FD9F05EE5AE9}" type="datetime1">
               <a:rPr lang="en-GB" noProof="0" smtClean="0"/>
-              <a:t>02/01/2022</a:t>
+              <a:t>12/01/2022</a:t>
             </a:fld>
             <a:endParaRPr lang="en-GB" noProof="0" dirty="0"/>
           </a:p>
@@ -4959,7 +4959,7 @@
             <a:pPr rtl="0"/>
             <a:fld id="{793E8BA9-AE66-4E36-9223-D0D6F4911DB7}" type="datetime1">
               <a:rPr lang="en-GB" noProof="0" smtClean="0"/>
-              <a:t>02/01/2022</a:t>
+              <a:t>12/01/2022</a:t>
             </a:fld>
             <a:endParaRPr lang="en-GB" noProof="0" dirty="0"/>
           </a:p>
@@ -5218,7 +5218,7 @@
             <a:pPr rtl="0"/>
             <a:fld id="{9B255377-ECF2-4709-87FF-5638BBBE7630}" type="datetime1">
               <a:rPr lang="en-GB" noProof="0" smtClean="0"/>
-              <a:t>02/01/2022</a:t>
+              <a:t>12/01/2022</a:t>
             </a:fld>
             <a:endParaRPr lang="en-GB" noProof="0" dirty="0"/>
           </a:p>
@@ -5530,7 +5530,7 @@
             <a:pPr rtl="0"/>
             <a:fld id="{5FC4A483-AAB4-4043-84A4-66FC7C7640BE}" type="datetime1">
               <a:rPr lang="en-GB" noProof="0" smtClean="0"/>
-              <a:t>02/01/2022</a:t>
+              <a:t>12/01/2022</a:t>
             </a:fld>
             <a:endParaRPr lang="en-GB" noProof="0" dirty="0"/>
           </a:p>
@@ -5767,7 +5767,7 @@
             <a:pPr rtl="0"/>
             <a:fld id="{BE69B57C-70DB-4B74-8638-E7AC9E8E89BD}" type="datetime1">
               <a:rPr lang="en-GB" noProof="0" smtClean="0"/>
-              <a:t>02/01/2022</a:t>
+              <a:t>12/01/2022</a:t>
             </a:fld>
             <a:endParaRPr lang="en-GB" noProof="0" dirty="0"/>
           </a:p>
@@ -6687,7 +6687,7 @@
           </a:effectLst>
           <a:extLst>
             <a:ext uri="{91240B29-F687-4f45-9708-019B960494DF}">
-              <a14:hiddenLine xmlns="" xmlns:a16="http://schemas.microsoft.com/office/drawing/2014/main" xmlns:p14="http://schemas.microsoft.com/office/powerpoint/2010/main" xmlns:a14="http://schemas.microsoft.com/office/drawing/2010/main" w="9525">
+              <a14:hiddenLine xmlns:a14="http://schemas.microsoft.com/office/drawing/2010/main" xmlns:p14="http://schemas.microsoft.com/office/powerpoint/2010/main" xmlns:a16="http://schemas.microsoft.com/office/drawing/2014/main" xmlns="" w="9525">
                 <a:solidFill>
                   <a:srgbClr val="000000"/>
                 </a:solidFill>
@@ -9063,7 +9063,7 @@
             </a:r>
             <a:r>
               <a:rPr lang="en-AU" sz="2800" dirty="0"/>
-              <a:t>Is there a relationship between quit rate and gender of employees?</a:t>
+              <a:t>Is there a relationship between quit rate and business value of employees?</a:t>
             </a:r>
             <a:r>
               <a:rPr lang="en-AU" sz="2800" b="1" dirty="0"/>
@@ -16204,21 +16204,21 @@
 </file>
 
 <file path=customXml/item1.xml><?xml version="1.0" encoding="utf-8"?>
+<?mso-contentType ?>
+<FormTemplates xmlns="http://schemas.microsoft.com/sharepoint/v3/contenttype/forms">
+  <Display>DocumentLibraryForm</Display>
+  <Edit>DocumentLibraryForm</Edit>
+  <New>DocumentLibraryForm</New>
+</FormTemplates>
+</file>
+
+<file path=customXml/item2.xml><?xml version="1.0" encoding="utf-8"?>
 <p:properties xmlns:p="http://schemas.microsoft.com/office/2006/metadata/properties" xmlns:xsi="http://www.w3.org/2001/XMLSchema-instance" xmlns:pc="http://schemas.microsoft.com/office/infopath/2007/PartnerControls">
   <documentManagement>
     <Status xmlns="71af3243-3dd4-4a8d-8c0d-dd76da1f02a5">Not started</Status>
     <MediaServiceKeyPoints xmlns="71af3243-3dd4-4a8d-8c0d-dd76da1f02a5" xsi:nil="true"/>
   </documentManagement>
 </p:properties>
-</file>
-
-<file path=customXml/item2.xml><?xml version="1.0" encoding="utf-8"?>
-<?mso-contentType ?>
-<FormTemplates xmlns="http://schemas.microsoft.com/sharepoint/v3/contenttype/forms">
-  <Display>DocumentLibraryForm</Display>
-  <Edit>DocumentLibraryForm</Edit>
-  <New>DocumentLibraryForm</New>
-</FormTemplates>
 </file>
 
 <file path=customXml/item3.xml><?xml version="1.0" encoding="utf-8"?>
@@ -16443,19 +16443,19 @@
 </file>
 
 <file path=customXml/itemProps1.xml><?xml version="1.0" encoding="utf-8"?>
+<ds:datastoreItem xmlns:ds="http://schemas.openxmlformats.org/officeDocument/2006/customXml" ds:itemID="{63D38F1F-4760-49B9-B932-28FBC1D6D945}">
+  <ds:schemaRefs>
+    <ds:schemaRef ds:uri="http://schemas.microsoft.com/sharepoint/v3/contenttype/forms"/>
+  </ds:schemaRefs>
+</ds:datastoreItem>
+</file>
+
+<file path=customXml/itemProps2.xml><?xml version="1.0" encoding="utf-8"?>
 <ds:datastoreItem xmlns:ds="http://schemas.openxmlformats.org/officeDocument/2006/customXml" ds:itemID="{E94D590D-28CA-4FA8-91F0-B6B7E0C703A4}">
   <ds:schemaRefs>
     <ds:schemaRef ds:uri="http://schemas.microsoft.com/office/2006/metadata/properties"/>
     <ds:schemaRef ds:uri="http://schemas.microsoft.com/office/infopath/2007/PartnerControls"/>
     <ds:schemaRef ds:uri="71af3243-3dd4-4a8d-8c0d-dd76da1f02a5"/>
-  </ds:schemaRefs>
-</ds:datastoreItem>
-</file>
-
-<file path=customXml/itemProps2.xml><?xml version="1.0" encoding="utf-8"?>
-<ds:datastoreItem xmlns:ds="http://schemas.openxmlformats.org/officeDocument/2006/customXml" ds:itemID="{63D38F1F-4760-49B9-B932-28FBC1D6D945}">
-  <ds:schemaRefs>
-    <ds:schemaRef ds:uri="http://schemas.microsoft.com/sharepoint/v3/contenttype/forms"/>
   </ds:schemaRefs>
 </ds:datastoreItem>
 </file>
